--- a/tests/test_files/test_complex2.pptx
+++ b/tests/test_files/test_complex2.pptx
@@ -231,7 +231,7 @@
           <a:p>
             <a:fld id="{91DC03EE-A16A-4983-AD38-60C7934E273C}" type="datetimeFigureOut">
               <a:rPr kumimoji="1" lang="ja-JP" altLang="en-US" smtClean="0"/>
-              <a:t>2025/9/3</a:t>
+              <a:t>2025/9/7</a:t>
             </a:fld>
             <a:endParaRPr kumimoji="1" lang="ja-JP" altLang="en-US"/>
           </a:p>
@@ -939,7 +939,7 @@
           <a:p>
             <a:fld id="{5BCAD085-E8A6-8845-BD4E-CB4CCA059FC4}" type="datetimeFigureOut">
               <a:rPr lang="en-US" smtClean="0"/>
-              <a:t>9/3/2025</a:t>
+              <a:t>9/7/2025</a:t>
             </a:fld>
             <a:endParaRPr lang="en-US"/>
           </a:p>
@@ -1107,7 +1107,7 @@
           <a:p>
             <a:fld id="{5BCAD085-E8A6-8845-BD4E-CB4CCA059FC4}" type="datetimeFigureOut">
               <a:rPr lang="en-US" smtClean="0"/>
-              <a:t>9/3/2025</a:t>
+              <a:t>9/7/2025</a:t>
             </a:fld>
             <a:endParaRPr lang="en-US"/>
           </a:p>
@@ -1285,7 +1285,7 @@
           <a:p>
             <a:fld id="{5BCAD085-E8A6-8845-BD4E-CB4CCA059FC4}" type="datetimeFigureOut">
               <a:rPr lang="en-US" smtClean="0"/>
-              <a:t>9/3/2025</a:t>
+              <a:t>9/7/2025</a:t>
             </a:fld>
             <a:endParaRPr lang="en-US"/>
           </a:p>
@@ -1453,7 +1453,7 @@
           <a:p>
             <a:fld id="{5BCAD085-E8A6-8845-BD4E-CB4CCA059FC4}" type="datetimeFigureOut">
               <a:rPr lang="en-US" smtClean="0"/>
-              <a:t>9/3/2025</a:t>
+              <a:t>9/7/2025</a:t>
             </a:fld>
             <a:endParaRPr lang="en-US"/>
           </a:p>
@@ -1698,7 +1698,7 @@
           <a:p>
             <a:fld id="{5BCAD085-E8A6-8845-BD4E-CB4CCA059FC4}" type="datetimeFigureOut">
               <a:rPr lang="en-US" smtClean="0"/>
-              <a:t>9/3/2025</a:t>
+              <a:t>9/7/2025</a:t>
             </a:fld>
             <a:endParaRPr lang="en-US"/>
           </a:p>
@@ -1983,7 +1983,7 @@
           <a:p>
             <a:fld id="{5BCAD085-E8A6-8845-BD4E-CB4CCA059FC4}" type="datetimeFigureOut">
               <a:rPr lang="en-US" smtClean="0"/>
-              <a:t>9/3/2025</a:t>
+              <a:t>9/7/2025</a:t>
             </a:fld>
             <a:endParaRPr lang="en-US"/>
           </a:p>
@@ -2402,7 +2402,7 @@
           <a:p>
             <a:fld id="{5BCAD085-E8A6-8845-BD4E-CB4CCA059FC4}" type="datetimeFigureOut">
               <a:rPr lang="en-US" smtClean="0"/>
-              <a:t>9/3/2025</a:t>
+              <a:t>9/7/2025</a:t>
             </a:fld>
             <a:endParaRPr lang="en-US"/>
           </a:p>
@@ -2519,7 +2519,7 @@
           <a:p>
             <a:fld id="{5BCAD085-E8A6-8845-BD4E-CB4CCA059FC4}" type="datetimeFigureOut">
               <a:rPr lang="en-US" smtClean="0"/>
-              <a:t>9/3/2025</a:t>
+              <a:t>9/7/2025</a:t>
             </a:fld>
             <a:endParaRPr lang="en-US"/>
           </a:p>
@@ -2614,7 +2614,7 @@
           <a:p>
             <a:fld id="{5BCAD085-E8A6-8845-BD4E-CB4CCA059FC4}" type="datetimeFigureOut">
               <a:rPr lang="en-US" smtClean="0"/>
-              <a:t>9/3/2025</a:t>
+              <a:t>9/7/2025</a:t>
             </a:fld>
             <a:endParaRPr lang="en-US"/>
           </a:p>
@@ -2889,7 +2889,7 @@
           <a:p>
             <a:fld id="{5BCAD085-E8A6-8845-BD4E-CB4CCA059FC4}" type="datetimeFigureOut">
               <a:rPr lang="en-US" smtClean="0"/>
-              <a:t>9/3/2025</a:t>
+              <a:t>9/7/2025</a:t>
             </a:fld>
             <a:endParaRPr lang="en-US"/>
           </a:p>
@@ -3141,7 +3141,7 @@
           <a:p>
             <a:fld id="{5BCAD085-E8A6-8845-BD4E-CB4CCA059FC4}" type="datetimeFigureOut">
               <a:rPr lang="en-US" smtClean="0"/>
-              <a:t>9/3/2025</a:t>
+              <a:t>9/7/2025</a:t>
             </a:fld>
             <a:endParaRPr lang="en-US"/>
           </a:p>
@@ -3352,7 +3352,7 @@
           <a:p>
             <a:fld id="{5BCAD085-E8A6-8845-BD4E-CB4CCA059FC4}" type="datetimeFigureOut">
               <a:rPr lang="en-US" smtClean="0"/>
-              <a:t>9/3/2025</a:t>
+              <a:t>9/7/2025</a:t>
             </a:fld>
             <a:endParaRPr lang="en-US"/>
           </a:p>
@@ -5303,6 +5303,36 @@
           </a:p>
         </p:txBody>
       </p:sp>
+      <p:pic>
+        <p:nvPicPr>
+          <p:cNvPr id="5" name="図 4" descr="テキスト&#10;&#10;AI 生成コンテンツは誤りを含む可能性があります。">
+            <a:extLst>
+              <a:ext uri="{FF2B5EF4-FFF2-40B4-BE49-F238E27FC236}">
+                <a16:creationId xmlns:a16="http://schemas.microsoft.com/office/drawing/2014/main" id="{45EA48B4-9B92-5967-A696-7482F72AF338}"/>
+              </a:ext>
+            </a:extLst>
+          </p:cNvPr>
+          <p:cNvPicPr>
+            <a:picLocks noChangeAspect="1"/>
+          </p:cNvPicPr>
+          <p:nvPr/>
+        </p:nvPicPr>
+        <p:blipFill>
+          <a:blip r:embed="rId5"/>
+          <a:stretch>
+            <a:fillRect/>
+          </a:stretch>
+        </p:blipFill>
+        <p:spPr>
+          <a:xfrm>
+            <a:off x="6241038" y="192616"/>
+            <a:ext cx="2552921" cy="1508891"/>
+          </a:xfrm>
+          <a:prstGeom prst="rect">
+            <a:avLst/>
+          </a:prstGeom>
+        </p:spPr>
+      </p:pic>
     </p:spTree>
     <p:extLst>
       <p:ext uri="{BB962C8B-B14F-4D97-AF65-F5344CB8AC3E}">
